--- a/04-LangGraph/LangGraph.pptx
+++ b/04-LangGraph/LangGraph.pptx
@@ -28,6 +28,7 @@
     <p:sldId id="530" r:id="rId22"/>
     <p:sldId id="536" r:id="rId23"/>
     <p:sldId id="531" r:id="rId24"/>
+    <p:sldId id="560" r:id="rId25"/>
   </p:sldIdLst>
   <p:sldSz cx="12192000" cy="6858000"/>
   <p:notesSz cx="6858000" cy="9144000"/>
@@ -126,6 +127,11 @@
       </a:defRPr>
     </a:lvl9pPr>
   </p:defaultTextStyle>
+  <p:extLst>
+    <p:ext uri="{EFAFB233-063F-42B5-8137-9DF3F51BA10A}">
+      <p15:sldGuideLst xmlns:p15="http://schemas.microsoft.com/office/powerpoint/2012/main"/>
+    </p:ext>
+  </p:extLst>
 </p:presentation>
 </file>
 
@@ -278,7 +284,7 @@
           <a:p>
             <a:fld id="{76DBBF3B-5A5D-4605-A632-015332AE76F2}" type="datetimeFigureOut">
               <a:rPr lang="en-GB" smtClean="0"/>
-              <a:t>13/09/2025</a:t>
+              <a:t>20/09/2025</a:t>
             </a:fld>
             <a:endParaRPr lang="en-GB"/>
           </a:p>
@@ -478,7 +484,7 @@
           <a:p>
             <a:fld id="{76DBBF3B-5A5D-4605-A632-015332AE76F2}" type="datetimeFigureOut">
               <a:rPr lang="en-GB" smtClean="0"/>
-              <a:t>13/09/2025</a:t>
+              <a:t>20/09/2025</a:t>
             </a:fld>
             <a:endParaRPr lang="en-GB"/>
           </a:p>
@@ -688,7 +694,7 @@
           <a:p>
             <a:fld id="{76DBBF3B-5A5D-4605-A632-015332AE76F2}" type="datetimeFigureOut">
               <a:rPr lang="en-GB" smtClean="0"/>
-              <a:t>13/09/2025</a:t>
+              <a:t>20/09/2025</a:t>
             </a:fld>
             <a:endParaRPr lang="en-GB"/>
           </a:p>
@@ -888,7 +894,7 @@
           <a:p>
             <a:fld id="{76DBBF3B-5A5D-4605-A632-015332AE76F2}" type="datetimeFigureOut">
               <a:rPr lang="en-GB" smtClean="0"/>
-              <a:t>13/09/2025</a:t>
+              <a:t>20/09/2025</a:t>
             </a:fld>
             <a:endParaRPr lang="en-GB"/>
           </a:p>
@@ -1164,7 +1170,7 @@
           <a:p>
             <a:fld id="{76DBBF3B-5A5D-4605-A632-015332AE76F2}" type="datetimeFigureOut">
               <a:rPr lang="en-GB" smtClean="0"/>
-              <a:t>13/09/2025</a:t>
+              <a:t>20/09/2025</a:t>
             </a:fld>
             <a:endParaRPr lang="en-GB"/>
           </a:p>
@@ -1432,7 +1438,7 @@
           <a:p>
             <a:fld id="{76DBBF3B-5A5D-4605-A632-015332AE76F2}" type="datetimeFigureOut">
               <a:rPr lang="en-GB" smtClean="0"/>
-              <a:t>13/09/2025</a:t>
+              <a:t>20/09/2025</a:t>
             </a:fld>
             <a:endParaRPr lang="en-GB"/>
           </a:p>
@@ -1847,7 +1853,7 @@
           <a:p>
             <a:fld id="{76DBBF3B-5A5D-4605-A632-015332AE76F2}" type="datetimeFigureOut">
               <a:rPr lang="en-GB" smtClean="0"/>
-              <a:t>13/09/2025</a:t>
+              <a:t>20/09/2025</a:t>
             </a:fld>
             <a:endParaRPr lang="en-GB"/>
           </a:p>
@@ -1989,7 +1995,7 @@
           <a:p>
             <a:fld id="{76DBBF3B-5A5D-4605-A632-015332AE76F2}" type="datetimeFigureOut">
               <a:rPr lang="en-GB" smtClean="0"/>
-              <a:t>13/09/2025</a:t>
+              <a:t>20/09/2025</a:t>
             </a:fld>
             <a:endParaRPr lang="en-GB"/>
           </a:p>
@@ -2102,7 +2108,7 @@
           <a:p>
             <a:fld id="{76DBBF3B-5A5D-4605-A632-015332AE76F2}" type="datetimeFigureOut">
               <a:rPr lang="en-GB" smtClean="0"/>
-              <a:t>13/09/2025</a:t>
+              <a:t>20/09/2025</a:t>
             </a:fld>
             <a:endParaRPr lang="en-GB"/>
           </a:p>
@@ -2415,7 +2421,7 @@
           <a:p>
             <a:fld id="{76DBBF3B-5A5D-4605-A632-015332AE76F2}" type="datetimeFigureOut">
               <a:rPr lang="en-GB" smtClean="0"/>
-              <a:t>13/09/2025</a:t>
+              <a:t>20/09/2025</a:t>
             </a:fld>
             <a:endParaRPr lang="en-GB"/>
           </a:p>
@@ -2704,7 +2710,7 @@
           <a:p>
             <a:fld id="{76DBBF3B-5A5D-4605-A632-015332AE76F2}" type="datetimeFigureOut">
               <a:rPr lang="en-GB" smtClean="0"/>
-              <a:t>13/09/2025</a:t>
+              <a:t>20/09/2025</a:t>
             </a:fld>
             <a:endParaRPr lang="en-GB"/>
           </a:p>
@@ -2947,7 +2953,7 @@
           <a:p>
             <a:fld id="{76DBBF3B-5A5D-4605-A632-015332AE76F2}" type="datetimeFigureOut">
               <a:rPr lang="en-GB" smtClean="0"/>
-              <a:t>13/09/2025</a:t>
+              <a:t>20/09/2025</a:t>
             </a:fld>
             <a:endParaRPr lang="en-GB"/>
           </a:p>
@@ -6783,6 +6789,473 @@
     <p:extLst>
       <p:ext uri="{BB962C8B-B14F-4D97-AF65-F5344CB8AC3E}">
         <p14:creationId xmlns:p14="http://schemas.microsoft.com/office/powerpoint/2010/main" val="147729971"/>
+      </p:ext>
+    </p:extLst>
+  </p:cSld>
+  <p:clrMapOvr>
+    <a:masterClrMapping/>
+  </p:clrMapOvr>
+</p:sld>
+</file>
+
+<file path=ppt/slides/slide24.xml><?xml version="1.0" encoding="utf-8"?>
+<p:sld xmlns:a="http://schemas.openxmlformats.org/drawingml/2006/main" xmlns:r="http://schemas.openxmlformats.org/officeDocument/2006/relationships" xmlns:p="http://schemas.openxmlformats.org/presentationml/2006/main">
+  <p:cSld>
+    <p:spTree>
+      <p:nvGrpSpPr>
+        <p:cNvPr id="1" name=""/>
+        <p:cNvGrpSpPr/>
+        <p:nvPr/>
+      </p:nvGrpSpPr>
+      <p:grpSpPr>
+        <a:xfrm>
+          <a:off x="0" y="0"/>
+          <a:ext cx="0" cy="0"/>
+          <a:chOff x="0" y="0"/>
+          <a:chExt cx="0" cy="0"/>
+        </a:xfrm>
+      </p:grpSpPr>
+      <p:sp>
+        <p:nvSpPr>
+          <p:cNvPr id="2" name="Title 1">
+            <a:extLst>
+              <a:ext uri="{FF2B5EF4-FFF2-40B4-BE49-F238E27FC236}">
+                <a16:creationId xmlns:a16="http://schemas.microsoft.com/office/drawing/2014/main" id="{262C7224-2E56-BA24-3C28-2B1A4A957E9A}"/>
+              </a:ext>
+            </a:extLst>
+          </p:cNvPr>
+          <p:cNvSpPr>
+            <a:spLocks noGrp="1"/>
+          </p:cNvSpPr>
+          <p:nvPr>
+            <p:ph type="title"/>
+          </p:nvPr>
+        </p:nvSpPr>
+        <p:spPr/>
+        <p:txBody>
+          <a:bodyPr/>
+          <a:lstStyle/>
+          <a:p>
+            <a:r>
+              <a:rPr lang="en-IN" dirty="0"/>
+              <a:t>More Agentic Patterns/Features</a:t>
+            </a:r>
+            <a:endParaRPr lang="en-GB" dirty="0"/>
+          </a:p>
+        </p:txBody>
+      </p:sp>
+      <p:graphicFrame>
+        <p:nvGraphicFramePr>
+          <p:cNvPr id="4" name="Content Placeholder 3">
+            <a:extLst>
+              <a:ext uri="{FF2B5EF4-FFF2-40B4-BE49-F238E27FC236}">
+                <a16:creationId xmlns:a16="http://schemas.microsoft.com/office/drawing/2014/main" id="{7560EA22-7D76-177E-E5D7-F51C71863EE2}"/>
+              </a:ext>
+            </a:extLst>
+          </p:cNvPr>
+          <p:cNvGraphicFramePr>
+            <a:graphicFrameLocks noGrp="1"/>
+          </p:cNvGraphicFramePr>
+          <p:nvPr>
+            <p:ph idx="1"/>
+          </p:nvPr>
+        </p:nvGraphicFramePr>
+        <p:xfrm>
+          <a:off x="838200" y="2126774"/>
+          <a:ext cx="10515600" cy="3291840"/>
+        </p:xfrm>
+        <a:graphic>
+          <a:graphicData uri="http://schemas.openxmlformats.org/drawingml/2006/table">
+            <a:tbl>
+              <a:tblPr>
+                <a:tableStyleId>{5DA37D80-6434-44D0-A028-1B22A696006F}</a:tableStyleId>
+              </a:tblPr>
+              <a:tblGrid>
+                <a:gridCol w="3049745">
+                  <a:extLst>
+                    <a:ext uri="{9D8B030D-6E8A-4147-A177-3AD203B41FA5}">
+                      <a16:colId xmlns:a16="http://schemas.microsoft.com/office/drawing/2014/main" val="3423643001"/>
+                    </a:ext>
+                  </a:extLst>
+                </a:gridCol>
+                <a:gridCol w="4872147">
+                  <a:extLst>
+                    <a:ext uri="{9D8B030D-6E8A-4147-A177-3AD203B41FA5}">
+                      <a16:colId xmlns:a16="http://schemas.microsoft.com/office/drawing/2014/main" val="3801525920"/>
+                    </a:ext>
+                  </a:extLst>
+                </a:gridCol>
+                <a:gridCol w="2593708">
+                  <a:extLst>
+                    <a:ext uri="{9D8B030D-6E8A-4147-A177-3AD203B41FA5}">
+                      <a16:colId xmlns:a16="http://schemas.microsoft.com/office/drawing/2014/main" val="2084314916"/>
+                    </a:ext>
+                  </a:extLst>
+                </a:gridCol>
+              </a:tblGrid>
+              <a:tr h="0">
+                <a:tc>
+                  <a:txBody>
+                    <a:bodyPr/>
+                    <a:lstStyle/>
+                    <a:p>
+                      <a:pPr>
+                        <a:buNone/>
+                      </a:pPr>
+                      <a:r>
+                        <a:rPr lang="en-GB" b="1" dirty="0"/>
+                        <a:t>Feature</a:t>
+                      </a:r>
+                    </a:p>
+                  </a:txBody>
+                  <a:tcPr anchor="ctr"/>
+                </a:tc>
+                <a:tc>
+                  <a:txBody>
+                    <a:bodyPr/>
+                    <a:lstStyle/>
+                    <a:p>
+                      <a:pPr>
+                        <a:buNone/>
+                      </a:pPr>
+                      <a:r>
+                        <a:rPr lang="en-GB" b="1" dirty="0"/>
+                        <a:t>Description</a:t>
+                      </a:r>
+                    </a:p>
+                  </a:txBody>
+                  <a:tcPr anchor="ctr"/>
+                </a:tc>
+                <a:tc>
+                  <a:txBody>
+                    <a:bodyPr/>
+                    <a:lstStyle/>
+                    <a:p>
+                      <a:pPr>
+                        <a:buNone/>
+                      </a:pPr>
+                      <a:r>
+                        <a:rPr lang="en-GB" b="1" dirty="0"/>
+                        <a:t>Code</a:t>
+                      </a:r>
+                    </a:p>
+                  </a:txBody>
+                  <a:tcPr anchor="ctr"/>
+                </a:tc>
+                <a:extLst>
+                  <a:ext uri="{0D108BD9-81ED-4DB2-BD59-A6C34878D82A}">
+                    <a16:rowId xmlns:a16="http://schemas.microsoft.com/office/drawing/2014/main" val="3445109669"/>
+                  </a:ext>
+                </a:extLst>
+              </a:tr>
+              <a:tr h="0">
+                <a:tc>
+                  <a:txBody>
+                    <a:bodyPr/>
+                    <a:lstStyle/>
+                    <a:p>
+                      <a:pPr>
+                        <a:buNone/>
+                      </a:pPr>
+                      <a:r>
+                        <a:rPr lang="en-GB" b="1"/>
+                        <a:t>Guardrails</a:t>
+                      </a:r>
+                      <a:endParaRPr lang="en-GB"/>
+                    </a:p>
+                  </a:txBody>
+                  <a:tcPr anchor="ctr"/>
+                </a:tc>
+                <a:tc>
+                  <a:txBody>
+                    <a:bodyPr/>
+                    <a:lstStyle/>
+                    <a:p>
+                      <a:pPr>
+                        <a:buNone/>
+                      </a:pPr>
+                      <a:r>
+                        <a:rPr lang="en-US"/>
+                        <a:t>Block queries that contain objectionable words</a:t>
+                      </a:r>
+                    </a:p>
+                  </a:txBody>
+                  <a:tcPr anchor="ctr"/>
+                </a:tc>
+                <a:tc>
+                  <a:txBody>
+                    <a:bodyPr/>
+                    <a:lstStyle/>
+                    <a:p>
+                      <a:pPr>
+                        <a:buNone/>
+                      </a:pPr>
+                      <a:r>
+                        <a:rPr lang="en-GB"/>
+                        <a:t>4_langgraph_8.py</a:t>
+                      </a:r>
+                    </a:p>
+                  </a:txBody>
+                  <a:tcPr anchor="ctr"/>
+                </a:tc>
+                <a:extLst>
+                  <a:ext uri="{0D108BD9-81ED-4DB2-BD59-A6C34878D82A}">
+                    <a16:rowId xmlns:a16="http://schemas.microsoft.com/office/drawing/2014/main" val="3124542746"/>
+                  </a:ext>
+                </a:extLst>
+              </a:tr>
+              <a:tr h="0">
+                <a:tc>
+                  <a:txBody>
+                    <a:bodyPr/>
+                    <a:lstStyle/>
+                    <a:p>
+                      <a:pPr>
+                        <a:buNone/>
+                      </a:pPr>
+                      <a:r>
+                        <a:rPr lang="en-GB" b="1"/>
+                        <a:t>Long Term Memory</a:t>
+                      </a:r>
+                      <a:endParaRPr lang="en-GB"/>
+                    </a:p>
+                  </a:txBody>
+                  <a:tcPr anchor="ctr"/>
+                </a:tc>
+                <a:tc>
+                  <a:txBody>
+                    <a:bodyPr/>
+                    <a:lstStyle/>
+                    <a:p>
+                      <a:pPr>
+                        <a:buNone/>
+                      </a:pPr>
+                      <a:r>
+                        <a:rPr lang="en-US"/>
+                        <a:t>Add long term memory using an in-memory database (SQLite). If a user enters the same question as another user previously, load it from memory</a:t>
+                      </a:r>
+                    </a:p>
+                  </a:txBody>
+                  <a:tcPr anchor="ctr"/>
+                </a:tc>
+                <a:tc>
+                  <a:txBody>
+                    <a:bodyPr/>
+                    <a:lstStyle/>
+                    <a:p>
+                      <a:pPr>
+                        <a:buNone/>
+                      </a:pPr>
+                      <a:r>
+                        <a:rPr lang="en-GB"/>
+                        <a:t>4_langgraph_9.py</a:t>
+                      </a:r>
+                    </a:p>
+                  </a:txBody>
+                  <a:tcPr anchor="ctr"/>
+                </a:tc>
+                <a:extLst>
+                  <a:ext uri="{0D108BD9-81ED-4DB2-BD59-A6C34878D82A}">
+                    <a16:rowId xmlns:a16="http://schemas.microsoft.com/office/drawing/2014/main" val="2146186703"/>
+                  </a:ext>
+                </a:extLst>
+              </a:tr>
+              <a:tr h="0">
+                <a:tc>
+                  <a:txBody>
+                    <a:bodyPr/>
+                    <a:lstStyle/>
+                    <a:p>
+                      <a:pPr>
+                        <a:buNone/>
+                      </a:pPr>
+                      <a:r>
+                        <a:rPr lang="en-GB" b="1"/>
+                        <a:t>Explainability &amp; Transparency</a:t>
+                      </a:r>
+                      <a:endParaRPr lang="en-GB"/>
+                    </a:p>
+                  </a:txBody>
+                  <a:tcPr anchor="ctr"/>
+                </a:tc>
+                <a:tc>
+                  <a:txBody>
+                    <a:bodyPr/>
+                    <a:lstStyle/>
+                    <a:p>
+                      <a:pPr>
+                        <a:buNone/>
+                      </a:pPr>
+                      <a:r>
+                        <a:rPr lang="en-US"/>
+                        <a:t>Explain why certain product matches are shown</a:t>
+                      </a:r>
+                    </a:p>
+                  </a:txBody>
+                  <a:tcPr anchor="ctr"/>
+                </a:tc>
+                <a:tc>
+                  <a:txBody>
+                    <a:bodyPr/>
+                    <a:lstStyle/>
+                    <a:p>
+                      <a:pPr>
+                        <a:buNone/>
+                      </a:pPr>
+                      <a:r>
+                        <a:rPr lang="en-GB"/>
+                        <a:t>4_langgraph_10.py</a:t>
+                      </a:r>
+                    </a:p>
+                  </a:txBody>
+                  <a:tcPr anchor="ctr"/>
+                </a:tc>
+                <a:extLst>
+                  <a:ext uri="{0D108BD9-81ED-4DB2-BD59-A6C34878D82A}">
+                    <a16:rowId xmlns:a16="http://schemas.microsoft.com/office/drawing/2014/main" val="222421616"/>
+                  </a:ext>
+                </a:extLst>
+              </a:tr>
+              <a:tr h="0">
+                <a:tc>
+                  <a:txBody>
+                    <a:bodyPr/>
+                    <a:lstStyle/>
+                    <a:p>
+                      <a:pPr>
+                        <a:buNone/>
+                      </a:pPr>
+                      <a:r>
+                        <a:rPr lang="en-GB" b="1"/>
+                        <a:t>Observability &amp; Monitoring</a:t>
+                      </a:r>
+                      <a:endParaRPr lang="en-GB"/>
+                    </a:p>
+                  </a:txBody>
+                  <a:tcPr anchor="ctr"/>
+                </a:tc>
+                <a:tc>
+                  <a:txBody>
+                    <a:bodyPr/>
+                    <a:lstStyle/>
+                    <a:p>
+                      <a:pPr>
+                        <a:buNone/>
+                      </a:pPr>
+                      <a:r>
+                        <a:rPr lang="en-US"/>
+                        <a:t>Log events and allow the admin to access the logs</a:t>
+                      </a:r>
+                    </a:p>
+                  </a:txBody>
+                  <a:tcPr anchor="ctr"/>
+                </a:tc>
+                <a:tc>
+                  <a:txBody>
+                    <a:bodyPr/>
+                    <a:lstStyle/>
+                    <a:p>
+                      <a:pPr>
+                        <a:buNone/>
+                      </a:pPr>
+                      <a:r>
+                        <a:rPr lang="en-GB" dirty="0"/>
+                        <a:t>4_langgraph_11.py</a:t>
+                      </a:r>
+                    </a:p>
+                  </a:txBody>
+                  <a:tcPr anchor="ctr"/>
+                </a:tc>
+                <a:extLst>
+                  <a:ext uri="{0D108BD9-81ED-4DB2-BD59-A6C34878D82A}">
+                    <a16:rowId xmlns:a16="http://schemas.microsoft.com/office/drawing/2014/main" val="3172226066"/>
+                  </a:ext>
+                </a:extLst>
+              </a:tr>
+              <a:tr h="0">
+                <a:tc>
+                  <a:txBody>
+                    <a:bodyPr/>
+                    <a:lstStyle/>
+                    <a:p>
+                      <a:pPr>
+                        <a:buNone/>
+                      </a:pPr>
+                      <a:r>
+                        <a:rPr lang="en-IN" b="1" dirty="0"/>
+                        <a:t>Human In The Loop (HITL)</a:t>
+                      </a:r>
+                      <a:endParaRPr lang="en-GB" b="1" dirty="0"/>
+                    </a:p>
+                  </a:txBody>
+                  <a:tcPr anchor="ctr"/>
+                </a:tc>
+                <a:tc>
+                  <a:txBody>
+                    <a:bodyPr/>
+                    <a:lstStyle/>
+                    <a:p>
+                      <a:pPr>
+                        <a:buNone/>
+                      </a:pPr>
+                      <a:r>
+                        <a:rPr lang="en-US" dirty="0"/>
+                        <a:t>The user can approve the search results, or edit them</a:t>
+                      </a:r>
+                    </a:p>
+                  </a:txBody>
+                  <a:tcPr anchor="ctr"/>
+                </a:tc>
+                <a:tc>
+                  <a:txBody>
+                    <a:bodyPr/>
+                    <a:lstStyle/>
+                    <a:p>
+                      <a:pPr marL="0" marR="0" lvl="0" indent="0" algn="l" defTabSz="914400" rtl="0" eaLnBrk="1" fontAlgn="auto" latinLnBrk="0" hangingPunct="1">
+                        <a:lnSpc>
+                          <a:spcPct val="100000"/>
+                        </a:lnSpc>
+                        <a:spcBef>
+                          <a:spcPts val="0"/>
+                        </a:spcBef>
+                        <a:spcAft>
+                          <a:spcPts val="0"/>
+                        </a:spcAft>
+                        <a:buClrTx/>
+                        <a:buSzTx/>
+                        <a:buFontTx/>
+                        <a:buNone/>
+                        <a:tabLst/>
+                        <a:defRPr/>
+                      </a:pPr>
+                      <a:r>
+                        <a:rPr lang="en-GB" dirty="0"/>
+                        <a:t>4_langgraph_12.py</a:t>
+                      </a:r>
+                    </a:p>
+                    <a:p>
+                      <a:pPr>
+                        <a:buNone/>
+                      </a:pPr>
+                      <a:endParaRPr lang="en-GB" dirty="0"/>
+                    </a:p>
+                  </a:txBody>
+                  <a:tcPr anchor="ctr"/>
+                </a:tc>
+                <a:extLst>
+                  <a:ext uri="{0D108BD9-81ED-4DB2-BD59-A6C34878D82A}">
+                    <a16:rowId xmlns:a16="http://schemas.microsoft.com/office/drawing/2014/main" val="3699954732"/>
+                  </a:ext>
+                </a:extLst>
+              </a:tr>
+            </a:tbl>
+          </a:graphicData>
+        </a:graphic>
+      </p:graphicFrame>
+    </p:spTree>
+    <p:extLst>
+      <p:ext uri="{BB962C8B-B14F-4D97-AF65-F5344CB8AC3E}">
+        <p14:creationId xmlns:p14="http://schemas.microsoft.com/office/powerpoint/2010/main" val="727340862"/>
       </p:ext>
     </p:extLst>
   </p:cSld>

--- a/04-LangGraph/LangGraph.pptx
+++ b/04-LangGraph/LangGraph.pptx
@@ -6858,11 +6858,16 @@
           </p:cNvGraphicFramePr>
           <p:nvPr>
             <p:ph idx="1"/>
+            <p:extLst>
+              <p:ext uri="{D42A27DB-BD31-4B8C-83A1-F6EECF244321}">
+                <p14:modId xmlns:p14="http://schemas.microsoft.com/office/powerpoint/2010/main" val="2390176583"/>
+              </p:ext>
+            </p:extLst>
           </p:nvPr>
         </p:nvGraphicFramePr>
         <p:xfrm>
           <a:off x="838200" y="2126774"/>
-          <a:ext cx="10515600" cy="3291840"/>
+          <a:ext cx="10515600" cy="3566160"/>
         </p:xfrm>
         <a:graphic>
           <a:graphicData uri="http://schemas.openxmlformats.org/drawingml/2006/table">
@@ -7070,10 +7075,10 @@
                         <a:buNone/>
                       </a:pPr>
                       <a:r>
-                        <a:rPr lang="en-GB" b="1"/>
-                        <a:t>Explainability &amp; Transparency</a:t>
+                        <a:rPr lang="en-GB" b="1" dirty="0"/>
+                        <a:t>Explainability and Transparency</a:t>
                       </a:r>
-                      <a:endParaRPr lang="en-GB"/>
+                      <a:endParaRPr lang="en-GB" dirty="0"/>
                     </a:p>
                   </a:txBody>
                   <a:tcPr anchor="ctr"/>
@@ -7127,7 +7132,7 @@
                       </a:pPr>
                       <a:r>
                         <a:rPr lang="en-GB" b="1"/>
-                        <a:t>Observability &amp; Monitoring</a:t>
+                        <a:t>Observability and Monitoring</a:t>
                       </a:r>
                       <a:endParaRPr lang="en-GB"/>
                     </a:p>
